--- a/Resources/scores.pptx
+++ b/Resources/scores.pptx
@@ -272,7 +272,7 @@
           <a:p>
             <a:fld id="{6F6F0EBD-0E3E-4BA3-97C1-FDE62A91BC36}" type="datetimeFigureOut">
               <a:rPr lang="de-CH" smtClean="0"/>
-              <a:t>06.08.2023</a:t>
+              <a:t>07.08.2023</a:t>
             </a:fld>
             <a:endParaRPr lang="de-CH"/>
           </a:p>
@@ -472,7 +472,7 @@
           <a:p>
             <a:fld id="{6F6F0EBD-0E3E-4BA3-97C1-FDE62A91BC36}" type="datetimeFigureOut">
               <a:rPr lang="de-CH" smtClean="0"/>
-              <a:t>06.08.2023</a:t>
+              <a:t>07.08.2023</a:t>
             </a:fld>
             <a:endParaRPr lang="de-CH"/>
           </a:p>
@@ -682,7 +682,7 @@
           <a:p>
             <a:fld id="{6F6F0EBD-0E3E-4BA3-97C1-FDE62A91BC36}" type="datetimeFigureOut">
               <a:rPr lang="de-CH" smtClean="0"/>
-              <a:t>06.08.2023</a:t>
+              <a:t>07.08.2023</a:t>
             </a:fld>
             <a:endParaRPr lang="de-CH"/>
           </a:p>
@@ -882,7 +882,7 @@
           <a:p>
             <a:fld id="{6F6F0EBD-0E3E-4BA3-97C1-FDE62A91BC36}" type="datetimeFigureOut">
               <a:rPr lang="de-CH" smtClean="0"/>
-              <a:t>06.08.2023</a:t>
+              <a:t>07.08.2023</a:t>
             </a:fld>
             <a:endParaRPr lang="de-CH"/>
           </a:p>
@@ -1158,7 +1158,7 @@
           <a:p>
             <a:fld id="{6F6F0EBD-0E3E-4BA3-97C1-FDE62A91BC36}" type="datetimeFigureOut">
               <a:rPr lang="de-CH" smtClean="0"/>
-              <a:t>06.08.2023</a:t>
+              <a:t>07.08.2023</a:t>
             </a:fld>
             <a:endParaRPr lang="de-CH"/>
           </a:p>
@@ -1426,7 +1426,7 @@
           <a:p>
             <a:fld id="{6F6F0EBD-0E3E-4BA3-97C1-FDE62A91BC36}" type="datetimeFigureOut">
               <a:rPr lang="de-CH" smtClean="0"/>
-              <a:t>06.08.2023</a:t>
+              <a:t>07.08.2023</a:t>
             </a:fld>
             <a:endParaRPr lang="de-CH"/>
           </a:p>
@@ -1841,7 +1841,7 @@
           <a:p>
             <a:fld id="{6F6F0EBD-0E3E-4BA3-97C1-FDE62A91BC36}" type="datetimeFigureOut">
               <a:rPr lang="de-CH" smtClean="0"/>
-              <a:t>06.08.2023</a:t>
+              <a:t>07.08.2023</a:t>
             </a:fld>
             <a:endParaRPr lang="de-CH"/>
           </a:p>
@@ -1983,7 +1983,7 @@
           <a:p>
             <a:fld id="{6F6F0EBD-0E3E-4BA3-97C1-FDE62A91BC36}" type="datetimeFigureOut">
               <a:rPr lang="de-CH" smtClean="0"/>
-              <a:t>06.08.2023</a:t>
+              <a:t>07.08.2023</a:t>
             </a:fld>
             <a:endParaRPr lang="de-CH"/>
           </a:p>
@@ -2096,7 +2096,7 @@
           <a:p>
             <a:fld id="{6F6F0EBD-0E3E-4BA3-97C1-FDE62A91BC36}" type="datetimeFigureOut">
               <a:rPr lang="de-CH" smtClean="0"/>
-              <a:t>06.08.2023</a:t>
+              <a:t>07.08.2023</a:t>
             </a:fld>
             <a:endParaRPr lang="de-CH"/>
           </a:p>
@@ -2409,7 +2409,7 @@
           <a:p>
             <a:fld id="{6F6F0EBD-0E3E-4BA3-97C1-FDE62A91BC36}" type="datetimeFigureOut">
               <a:rPr lang="de-CH" smtClean="0"/>
-              <a:t>06.08.2023</a:t>
+              <a:t>07.08.2023</a:t>
             </a:fld>
             <a:endParaRPr lang="de-CH"/>
           </a:p>
@@ -2698,7 +2698,7 @@
           <a:p>
             <a:fld id="{6F6F0EBD-0E3E-4BA3-97C1-FDE62A91BC36}" type="datetimeFigureOut">
               <a:rPr lang="de-CH" smtClean="0"/>
-              <a:t>06.08.2023</a:t>
+              <a:t>07.08.2023</a:t>
             </a:fld>
             <a:endParaRPr lang="de-CH"/>
           </a:p>
@@ -2941,7 +2941,7 @@
           <a:p>
             <a:fld id="{6F6F0EBD-0E3E-4BA3-97C1-FDE62A91BC36}" type="datetimeFigureOut">
               <a:rPr lang="de-CH" smtClean="0"/>
-              <a:t>06.08.2023</a:t>
+              <a:t>07.08.2023</a:t>
             </a:fld>
             <a:endParaRPr lang="de-CH"/>
           </a:p>
